--- a/miguel_alvarado_final_sw.pptx
+++ b/miguel_alvarado_final_sw.pptx
@@ -4633,6 +4633,13 @@
             <a:schemeClr val="lt1"/>
           </a:fontRef>
         </p:style>
+        <p:txBody>
+          <a:bodyPr/>
+          <a:lstStyle/>
+          <a:p>
+            <a:endParaRPr lang="es-PE"/>
+          </a:p>
+        </p:txBody>
       </p:sp>
       <p:sp>
         <p:nvSpPr>
@@ -4687,6 +4694,13 @@
             <a:schemeClr val="lt1"/>
           </a:fontRef>
         </p:style>
+        <p:txBody>
+          <a:bodyPr/>
+          <a:lstStyle/>
+          <a:p>
+            <a:endParaRPr lang="es-PE"/>
+          </a:p>
+        </p:txBody>
       </p:sp>
       <p:sp>
         <p:nvSpPr>
@@ -4741,6 +4755,13 @@
             <a:schemeClr val="lt1"/>
           </a:fontRef>
         </p:style>
+        <p:txBody>
+          <a:bodyPr/>
+          <a:lstStyle/>
+          <a:p>
+            <a:endParaRPr lang="es-PE"/>
+          </a:p>
+        </p:txBody>
       </p:sp>
       <p:pic>
         <p:nvPicPr>
@@ -5909,7 +5930,25 @@
           <a:bodyPr/>
           <a:lstStyle/>
           <a:p>
-            <a:endParaRPr lang="es-PE"/>
+            <a:r>
+              <a:rPr lang="es-PE" dirty="0"/>
+              <a:t>Link </a:t>
+            </a:r>
+            <a:r>
+              <a:rPr lang="es-PE" dirty="0" err="1"/>
+              <a:t>Github</a:t>
+            </a:r>
+            <a:r>
+              <a:rPr lang="es-PE" dirty="0"/>
+              <a:t>: </a:t>
+            </a:r>
+            <a:r>
+              <a:rPr lang="pt-BR" dirty="0">
+                <a:hlinkClick r:id="rId2"/>
+              </a:rPr>
+              <a:t>miguel23022001/Final_SW2 (github.com)</a:t>
+            </a:r>
+            <a:endParaRPr lang="pt-BR" dirty="0"/>
           </a:p>
         </p:txBody>
       </p:sp>
